--- a/figure for weedmodels.pptx
+++ b/figure for weedmodels.pptx
@@ -2470,6 +2470,61 @@
       </pc:sldMasterChg>
     </pc:docChg>
   </pc:docChgLst>
+  <pc:docChgLst>
+    <pc:chgData name="Elizabeth Stroud" userId="d5c0c283-72d6-4319-8571-adf052e42032" providerId="ADAL" clId="{1AFD5039-5E3D-0744-996F-AE66481CE4A4}"/>
+    <pc:docChg chg="custSel modSld">
+      <pc:chgData name="Elizabeth Stroud" userId="d5c0c283-72d6-4319-8571-adf052e42032" providerId="ADAL" clId="{1AFD5039-5E3D-0744-996F-AE66481CE4A4}" dt="2023-02-07T10:13:51.876" v="7" actId="729"/>
+      <pc:docMkLst>
+        <pc:docMk/>
+      </pc:docMkLst>
+      <pc:sldChg chg="delSp modSp mod">
+        <pc:chgData name="Elizabeth Stroud" userId="d5c0c283-72d6-4319-8571-adf052e42032" providerId="ADAL" clId="{1AFD5039-5E3D-0744-996F-AE66481CE4A4}" dt="2023-02-07T10:13:41.451" v="6" actId="20577"/>
+        <pc:sldMkLst>
+          <pc:docMk/>
+          <pc:sldMk cId="2008141247" sldId="259"/>
+        </pc:sldMkLst>
+        <pc:spChg chg="mod">
+          <ac:chgData name="Elizabeth Stroud" userId="d5c0c283-72d6-4319-8571-adf052e42032" providerId="ADAL" clId="{1AFD5039-5E3D-0744-996F-AE66481CE4A4}" dt="2023-02-07T10:13:30.416" v="2" actId="1076"/>
+          <ac:spMkLst>
+            <pc:docMk/>
+            <pc:sldMk cId="2008141247" sldId="259"/>
+            <ac:spMk id="21" creationId="{6C35A260-3ADF-72CB-A9E7-475A62A3983B}"/>
+          </ac:spMkLst>
+        </pc:spChg>
+        <pc:spChg chg="del">
+          <ac:chgData name="Elizabeth Stroud" userId="d5c0c283-72d6-4319-8571-adf052e42032" providerId="ADAL" clId="{1AFD5039-5E3D-0744-996F-AE66481CE4A4}" dt="2023-02-07T10:13:27.279" v="1" actId="478"/>
+          <ac:spMkLst>
+            <pc:docMk/>
+            <pc:sldMk cId="2008141247" sldId="259"/>
+            <ac:spMk id="22" creationId="{7B50D688-7F1E-2879-13FE-BE706D7497B8}"/>
+          </ac:spMkLst>
+        </pc:spChg>
+        <pc:spChg chg="mod">
+          <ac:chgData name="Elizabeth Stroud" userId="d5c0c283-72d6-4319-8571-adf052e42032" providerId="ADAL" clId="{1AFD5039-5E3D-0744-996F-AE66481CE4A4}" dt="2023-02-07T10:13:41.451" v="6" actId="20577"/>
+          <ac:spMkLst>
+            <pc:docMk/>
+            <pc:sldMk cId="2008141247" sldId="259"/>
+            <ac:spMk id="24" creationId="{96F96CAD-403E-C76B-6F84-9DB36BB38237}"/>
+          </ac:spMkLst>
+        </pc:spChg>
+        <pc:picChg chg="del">
+          <ac:chgData name="Elizabeth Stroud" userId="d5c0c283-72d6-4319-8571-adf052e42032" providerId="ADAL" clId="{1AFD5039-5E3D-0744-996F-AE66481CE4A4}" dt="2023-02-07T10:13:25.300" v="0" actId="478"/>
+          <ac:picMkLst>
+            <pc:docMk/>
+            <pc:sldMk cId="2008141247" sldId="259"/>
+            <ac:picMk id="23" creationId="{23CCDB78-8FF1-A91A-6862-3BFF4AC093F0}"/>
+          </ac:picMkLst>
+        </pc:picChg>
+      </pc:sldChg>
+      <pc:sldChg chg="mod modShow">
+        <pc:chgData name="Elizabeth Stroud" userId="d5c0c283-72d6-4319-8571-adf052e42032" providerId="ADAL" clId="{1AFD5039-5E3D-0744-996F-AE66481CE4A4}" dt="2023-02-07T10:13:51.876" v="7" actId="729"/>
+        <pc:sldMkLst>
+          <pc:docMk/>
+          <pc:sldMk cId="1028633569" sldId="269"/>
+        </pc:sldMkLst>
+      </pc:sldChg>
+    </pc:docChg>
+  </pc:docChgLst>
 </pc:chgInfo>
 </file>
 
@@ -2555,7 +2610,7 @@
           <a:p>
             <a:fld id="{F8F74EEA-8DE7-9F43-ABE8-D15E4E90DCAE}" type="datetimeFigureOut">
               <a:rPr lang="en-AU" smtClean="0"/>
-              <a:t>9/12/22</a:t>
+              <a:t>7/2/23</a:t>
             </a:fld>
             <a:endParaRPr lang="en-AU"/>
           </a:p>
@@ -3939,7 +3994,7 @@
           <a:p>
             <a:fld id="{203B7756-354C-FB4B-ADB3-7748F69F82CE}" type="datetimeFigureOut">
               <a:rPr lang="en-AU" smtClean="0"/>
-              <a:t>9/12/22</a:t>
+              <a:t>7/2/23</a:t>
             </a:fld>
             <a:endParaRPr lang="en-AU"/>
           </a:p>
@@ -4109,7 +4164,7 @@
           <a:p>
             <a:fld id="{203B7756-354C-FB4B-ADB3-7748F69F82CE}" type="datetimeFigureOut">
               <a:rPr lang="en-AU" smtClean="0"/>
-              <a:t>9/12/22</a:t>
+              <a:t>7/2/23</a:t>
             </a:fld>
             <a:endParaRPr lang="en-AU"/>
           </a:p>
@@ -4289,7 +4344,7 @@
           <a:p>
             <a:fld id="{203B7756-354C-FB4B-ADB3-7748F69F82CE}" type="datetimeFigureOut">
               <a:rPr lang="en-AU" smtClean="0"/>
-              <a:t>9/12/22</a:t>
+              <a:t>7/2/23</a:t>
             </a:fld>
             <a:endParaRPr lang="en-AU"/>
           </a:p>
@@ -4459,7 +4514,7 @@
           <a:p>
             <a:fld id="{203B7756-354C-FB4B-ADB3-7748F69F82CE}" type="datetimeFigureOut">
               <a:rPr lang="en-AU" smtClean="0"/>
-              <a:t>9/12/22</a:t>
+              <a:t>7/2/23</a:t>
             </a:fld>
             <a:endParaRPr lang="en-AU"/>
           </a:p>
@@ -4703,7 +4758,7 @@
           <a:p>
             <a:fld id="{203B7756-354C-FB4B-ADB3-7748F69F82CE}" type="datetimeFigureOut">
               <a:rPr lang="en-AU" smtClean="0"/>
-              <a:t>9/12/22</a:t>
+              <a:t>7/2/23</a:t>
             </a:fld>
             <a:endParaRPr lang="en-AU"/>
           </a:p>
@@ -4935,7 +4990,7 @@
           <a:p>
             <a:fld id="{203B7756-354C-FB4B-ADB3-7748F69F82CE}" type="datetimeFigureOut">
               <a:rPr lang="en-AU" smtClean="0"/>
-              <a:t>9/12/22</a:t>
+              <a:t>7/2/23</a:t>
             </a:fld>
             <a:endParaRPr lang="en-AU"/>
           </a:p>
@@ -5302,7 +5357,7 @@
           <a:p>
             <a:fld id="{203B7756-354C-FB4B-ADB3-7748F69F82CE}" type="datetimeFigureOut">
               <a:rPr lang="en-AU" smtClean="0"/>
-              <a:t>9/12/22</a:t>
+              <a:t>7/2/23</a:t>
             </a:fld>
             <a:endParaRPr lang="en-AU"/>
           </a:p>
@@ -5420,7 +5475,7 @@
           <a:p>
             <a:fld id="{203B7756-354C-FB4B-ADB3-7748F69F82CE}" type="datetimeFigureOut">
               <a:rPr lang="en-AU" smtClean="0"/>
-              <a:t>9/12/22</a:t>
+              <a:t>7/2/23</a:t>
             </a:fld>
             <a:endParaRPr lang="en-AU"/>
           </a:p>
@@ -5515,7 +5570,7 @@
           <a:p>
             <a:fld id="{203B7756-354C-FB4B-ADB3-7748F69F82CE}" type="datetimeFigureOut">
               <a:rPr lang="en-AU" smtClean="0"/>
-              <a:t>9/12/22</a:t>
+              <a:t>7/2/23</a:t>
             </a:fld>
             <a:endParaRPr lang="en-AU"/>
           </a:p>
@@ -5792,7 +5847,7 @@
           <a:p>
             <a:fld id="{203B7756-354C-FB4B-ADB3-7748F69F82CE}" type="datetimeFigureOut">
               <a:rPr lang="en-AU" smtClean="0"/>
-              <a:t>9/12/22</a:t>
+              <a:t>7/2/23</a:t>
             </a:fld>
             <a:endParaRPr lang="en-AU"/>
           </a:p>
@@ -6049,7 +6104,7 @@
           <a:p>
             <a:fld id="{203B7756-354C-FB4B-ADB3-7748F69F82CE}" type="datetimeFigureOut">
               <a:rPr lang="en-AU" smtClean="0"/>
-              <a:t>9/12/22</a:t>
+              <a:t>7/2/23</a:t>
             </a:fld>
             <a:endParaRPr lang="en-AU"/>
           </a:p>
@@ -6262,7 +6317,7 @@
           <a:p>
             <a:fld id="{203B7756-354C-FB4B-ADB3-7748F69F82CE}" type="datetimeFigureOut">
               <a:rPr lang="en-AU" smtClean="0"/>
-              <a:t>9/12/22</a:t>
+              <a:t>7/2/23</a:t>
             </a:fld>
             <a:endParaRPr lang="en-AU"/>
           </a:p>
@@ -7237,7 +7292,7 @@
 </file>
 
 <file path=ppt/slides/slide13.xml><?xml version="1.0" encoding="utf-8"?>
-<p:sld xmlns:a="http://schemas.openxmlformats.org/drawingml/2006/main" xmlns:r="http://schemas.openxmlformats.org/officeDocument/2006/relationships" xmlns:p="http://schemas.openxmlformats.org/presentationml/2006/main">
+<p:sld xmlns:a="http://schemas.openxmlformats.org/drawingml/2006/main" xmlns:r="http://schemas.openxmlformats.org/officeDocument/2006/relationships" xmlns:p="http://schemas.openxmlformats.org/presentationml/2006/main" show="0">
   <p:cSld>
     <p:spTree>
       <p:nvGrpSpPr>
@@ -9798,35 +9853,6 @@
       </p:grpSpPr>
       <p:pic>
         <p:nvPicPr>
-          <p:cNvPr id="23" name="Picture 22">
-            <a:extLst>
-              <a:ext uri="{FF2B5EF4-FFF2-40B4-BE49-F238E27FC236}">
-                <a16:creationId xmlns:a16="http://schemas.microsoft.com/office/drawing/2014/main" id="{23CCDB78-8FF1-A91A-6862-3BFF4AC093F0}"/>
-              </a:ext>
-            </a:extLst>
-          </p:cNvPr>
-          <p:cNvPicPr>
-            <a:picLocks noChangeAspect="1"/>
-          </p:cNvPicPr>
-          <p:nvPr/>
-        </p:nvPicPr>
-        <p:blipFill rotWithShape="1">
-          <a:blip r:embed="rId3"/>
-          <a:srcRect l="7373" t="44657"/>
-          <a:stretch/>
-        </p:blipFill>
-        <p:spPr>
-          <a:xfrm>
-            <a:off x="87797" y="4583668"/>
-            <a:ext cx="3447143" cy="1558509"/>
-          </a:xfrm>
-          <a:prstGeom prst="rect">
-            <a:avLst/>
-          </a:prstGeom>
-        </p:spPr>
-      </p:pic>
-      <p:pic>
-        <p:nvPicPr>
           <p:cNvPr id="3" name="Picture 2">
             <a:extLst>
               <a:ext uri="{FF2B5EF4-FFF2-40B4-BE49-F238E27FC236}">
@@ -9840,7 +9866,7 @@
           <p:nvPr/>
         </p:nvPicPr>
         <p:blipFill>
-          <a:blip r:embed="rId4"/>
+          <a:blip r:embed="rId3"/>
           <a:stretch>
             <a:fillRect/>
           </a:stretch>
@@ -9870,7 +9896,7 @@
           <p:nvPr/>
         </p:nvPicPr>
         <p:blipFill>
-          <a:blip r:embed="rId5"/>
+          <a:blip r:embed="rId4"/>
           <a:stretch>
             <a:fillRect/>
           </a:stretch>
@@ -9900,7 +9926,7 @@
           <p:nvPr/>
         </p:nvPicPr>
         <p:blipFill>
-          <a:blip r:embed="rId6"/>
+          <a:blip r:embed="rId5"/>
           <a:stretch>
             <a:fillRect/>
           </a:stretch>
@@ -9999,7 +10025,7 @@
         </p:nvSpPr>
         <p:spPr>
           <a:xfrm>
-            <a:off x="140246" y="4548318"/>
+            <a:off x="3521396" y="4557808"/>
             <a:ext cx="282450" cy="369332"/>
           </a:xfrm>
           <a:prstGeom prst="rect">
@@ -10016,41 +10042,6 @@
             <a:r>
               <a:rPr lang="en-AU" dirty="0"/>
               <a:t>c</a:t>
-            </a:r>
-          </a:p>
-        </p:txBody>
-      </p:sp>
-      <p:sp>
-        <p:nvSpPr>
-          <p:cNvPr id="22" name="TextBox 21">
-            <a:extLst>
-              <a:ext uri="{FF2B5EF4-FFF2-40B4-BE49-F238E27FC236}">
-                <a16:creationId xmlns:a16="http://schemas.microsoft.com/office/drawing/2014/main" id="{7B50D688-7F1E-2879-13FE-BE706D7497B8}"/>
-              </a:ext>
-            </a:extLst>
-          </p:cNvPr>
-          <p:cNvSpPr txBox="1"/>
-          <p:nvPr/>
-        </p:nvSpPr>
-        <p:spPr>
-          <a:xfrm>
-            <a:off x="3786341" y="4583668"/>
-            <a:ext cx="306494" cy="369332"/>
-          </a:xfrm>
-          <a:prstGeom prst="rect">
-            <a:avLst/>
-          </a:prstGeom>
-          <a:noFill/>
-        </p:spPr>
-        <p:txBody>
-          <a:bodyPr wrap="none" rtlCol="0">
-            <a:spAutoFit/>
-          </a:bodyPr>
-          <a:lstStyle/>
-          <a:p>
-            <a:r>
-              <a:rPr lang="en-AU" dirty="0"/>
-              <a:t>d</a:t>
             </a:r>
           </a:p>
         </p:txBody>
@@ -10070,7 +10061,7 @@
         <p:spPr>
           <a:xfrm>
             <a:off x="448235" y="6723529"/>
-            <a:ext cx="2576917" cy="1938992"/>
+            <a:ext cx="2576917" cy="1384995"/>
           </a:xfrm>
           <a:prstGeom prst="rect">
             <a:avLst/>
@@ -10109,23 +10100,11 @@
             </a:r>
             <a:r>
               <a:rPr lang="en-AU" sz="1200" dirty="0"/>
-              <a:t>showing archaeobotanical samples against model 2. c) </a:t>
-            </a:r>
-            <a:r>
-              <a:rPr lang="en-AU" sz="1200" b="1" dirty="0" err="1"/>
-              <a:t>wplot_arch</a:t>
+              <a:t>showing archaeobotanical samples against model 2. c).</a:t>
             </a:r>
             <a:r>
               <a:rPr lang="en-AU" sz="1200" b="1" dirty="0"/>
               <a:t> </a:t>
-            </a:r>
-            <a:r>
-              <a:rPr lang="en-AU" sz="1200" dirty="0"/>
-              <a:t>showing archaeobotanical sample against the centroids of model 1. d</a:t>
-            </a:r>
-            <a:r>
-              <a:rPr lang="en-AU" sz="1200" b="1" dirty="0"/>
-              <a:t>) </a:t>
             </a:r>
             <a:r>
               <a:rPr lang="en-AU" sz="1200" b="1" dirty="0" err="1"/>
